--- a/app/assets/images/ideas-for-prototypes.pptx
+++ b/app/assets/images/ideas-for-prototypes.pptx
@@ -25,8 +25,6 @@
     <p:sldId id="270" r:id="rId22"/>
     <p:sldId id="271" r:id="rId23"/>
     <p:sldId id="272" r:id="rId24"/>
-    <p:sldId id="273" r:id="rId25"/>
-    <p:sldId id="274" r:id="rId26"/>
   </p:sldIdLst>
   <p:sldSz cx="24384000" cy="13716000"/>
   <p:notesSz cx="6858000" cy="9144000"/>
@@ -4129,110 +4127,9 @@
           <a:chExt cx="0" cy="0"/>
         </a:xfrm>
       </p:grpSpPr>
-      <p:sp>
-        <p:nvSpPr>
-          <p:cNvPr id="176" name="Help users to check answers with better check my answers page"/>
-          <p:cNvSpPr txBox="1"/>
-          <p:nvPr>
-            <p:ph type="body" idx="21"/>
-          </p:nvPr>
-        </p:nvSpPr>
-        <p:spPr>
-          <a:xfrm>
-            <a:off x="1206499" y="894863"/>
-            <a:ext cx="21971002" cy="636979"/>
-          </a:xfrm>
-          <a:prstGeom prst="rect">
-            <a:avLst/>
-          </a:prstGeom>
-          <a:extLst>
-            <a:ext uri="{C572A759-6A51-4108-AA02-DFA0A04FC94B}">
-              <ma14:wrappingTextBoxFlag xmlns:ma14="http://schemas.microsoft.com/office/mac/drawingml/2011/main" val="1"/>
-            </a:ext>
-          </a:extLst>
-        </p:spPr>
-        <p:txBody>
-          <a:bodyPr/>
-          <a:lstStyle/>
-          <a:p>
-            <a:pPr/>
-            <a:r>
-              <a:t>Help users to check answers with better check my answers page</a:t>
-            </a:r>
-          </a:p>
-        </p:txBody>
-      </p:sp>
-      <p:sp>
-        <p:nvSpPr>
-          <p:cNvPr id="177" name="GDS pattern lets users review and undo mistakes more efficiently. Better presentation and usability as users can make a change to answer without have to having go back through all the pages in the form."/>
-          <p:cNvSpPr txBox="1"/>
-          <p:nvPr>
-            <p:ph type="ctrTitle"/>
-          </p:nvPr>
-        </p:nvSpPr>
-        <p:spPr>
-          <a:xfrm>
-            <a:off x="1253906" y="3534795"/>
-            <a:ext cx="22160062" cy="7132673"/>
-          </a:xfrm>
-          <a:prstGeom prst="rect">
-            <a:avLst/>
-          </a:prstGeom>
-        </p:spPr>
-        <p:txBody>
-          <a:bodyPr>
-            <a:noAutofit/>
-          </a:bodyPr>
-          <a:lstStyle>
-            <a:lvl1pPr defTabSz="457200">
-              <a:lnSpc>
-                <a:spcPts val="11900"/>
-              </a:lnSpc>
-              <a:defRPr b="0" spc="0" sz="8000">
-                <a:latin typeface="Calibri"/>
-                <a:ea typeface="Calibri"/>
-                <a:cs typeface="Calibri"/>
-                <a:sym typeface="Calibri"/>
-              </a:defRPr>
-            </a:lvl1pPr>
-          </a:lstStyle>
-          <a:p>
-            <a:pPr/>
-            <a:r>
-              <a:t>GDS pattern lets users review and undo mistakes more efficiently. Better presentation and usability as users can make a change to answer without have to having go back through all the pages in the form.  </a:t>
-            </a:r>
-          </a:p>
-        </p:txBody>
-      </p:sp>
-    </p:spTree>
-  </p:cSld>
-  <p:clrMapOvr>
-    <a:masterClrMapping/>
-  </p:clrMapOvr>
-  <p:transition xmlns:p14="http://schemas.microsoft.com/office/powerpoint/2010/main" spd="med" advClick="1"/>
-</p:sld>
-</file>
-
-<file path=ppt/slides/slide11.xml><?xml version="1.0" encoding="utf-8"?>
-<p:sld xmlns:a="http://schemas.openxmlformats.org/drawingml/2006/main" xmlns:r="http://schemas.openxmlformats.org/officeDocument/2006/relationships" xmlns:p="http://schemas.openxmlformats.org/presentationml/2006/main" xmlns:m="http://schemas.openxmlformats.org/officeDocument/2006/math" xmlns:a14="http://schemas.microsoft.com/office/drawing/2010/main" showMasterSp="1" showMasterPhAnim="1">
-  <p:cSld>
-    <p:spTree>
-      <p:nvGrpSpPr>
-        <p:cNvPr id="1" name=""/>
-        <p:cNvGrpSpPr/>
-        <p:nvPr/>
-      </p:nvGrpSpPr>
-      <p:grpSpPr>
-        <a:xfrm>
-          <a:off x="0" y="0"/>
-          <a:ext cx="0" cy="0"/>
-          <a:chOff x="0" y="0"/>
-          <a:chExt cx="0" cy="0"/>
-        </a:xfrm>
-      </p:grpSpPr>
       <p:pic>
         <p:nvPicPr>
-          <p:cNvPr id="179" name="Screenshot 2021-11-22 at 14.27.33.png" descr="Screenshot 2021-11-22 at 14.27.33.png"/>
+          <p:cNvPr id="176" name="13.png" descr="13.png"/>
           <p:cNvPicPr>
             <a:picLocks noChangeAspect="1"/>
           </p:cNvPicPr>
@@ -4248,8 +4145,8 @@
         </p:blipFill>
         <p:spPr>
           <a:xfrm>
-            <a:off x="9578222" y="1413788"/>
-            <a:ext cx="7084845" cy="11306760"/>
+            <a:off x="2988162" y="3164890"/>
+            <a:ext cx="9576857" cy="11002786"/>
           </a:xfrm>
           <a:prstGeom prst="rect">
             <a:avLst/>
@@ -4259,381 +4156,9 @@
           </a:ln>
         </p:spPr>
       </p:pic>
-    </p:spTree>
-  </p:cSld>
-  <p:clrMapOvr>
-    <a:masterClrMapping/>
-  </p:clrMapOvr>
-  <p:transition xmlns:p14="http://schemas.microsoft.com/office/powerpoint/2010/main" spd="med" advClick="1"/>
-</p:sld>
-</file>
-
-<file path=ppt/slides/slide12.xml><?xml version="1.0" encoding="utf-8"?>
-<p:sld xmlns:a="http://schemas.openxmlformats.org/drawingml/2006/main" xmlns:r="http://schemas.openxmlformats.org/officeDocument/2006/relationships" xmlns:p="http://schemas.openxmlformats.org/presentationml/2006/main" xmlns:m="http://schemas.openxmlformats.org/officeDocument/2006/math" xmlns:a14="http://schemas.microsoft.com/office/drawing/2010/main" showMasterSp="1" showMasterPhAnim="1">
-  <p:cSld>
-    <p:spTree>
-      <p:nvGrpSpPr>
-        <p:cNvPr id="1" name=""/>
-        <p:cNvGrpSpPr/>
-        <p:nvPr/>
-      </p:nvGrpSpPr>
-      <p:grpSpPr>
-        <a:xfrm>
-          <a:off x="0" y="0"/>
-          <a:ext cx="0" cy="0"/>
-          <a:chOff x="0" y="0"/>
-          <a:chExt cx="0" cy="0"/>
-        </a:xfrm>
-      </p:grpSpPr>
-      <p:sp>
-        <p:nvSpPr>
-          <p:cNvPr id="181" name="Help users to understand all the tasks they need to complete by using GDS task list pattern"/>
-          <p:cNvSpPr txBox="1"/>
-          <p:nvPr>
-            <p:ph type="body" idx="21"/>
-          </p:nvPr>
-        </p:nvSpPr>
-        <p:spPr>
-          <a:xfrm>
-            <a:off x="1206499" y="894863"/>
-            <a:ext cx="21971002" cy="636979"/>
-          </a:xfrm>
-          <a:prstGeom prst="rect">
-            <a:avLst/>
-          </a:prstGeom>
-          <a:extLst>
-            <a:ext uri="{C572A759-6A51-4108-AA02-DFA0A04FC94B}">
-              <ma14:wrappingTextBoxFlag xmlns:ma14="http://schemas.microsoft.com/office/mac/drawingml/2011/main" val="1"/>
-            </a:ext>
-          </a:extLst>
-        </p:spPr>
-        <p:txBody>
-          <a:bodyPr/>
-          <a:lstStyle/>
-          <a:p>
-            <a:pPr/>
-            <a:r>
-              <a:t>Help users to understand all the tasks they need to complete by using GDS task list pattern</a:t>
-            </a:r>
-          </a:p>
-        </p:txBody>
-      </p:sp>
-      <p:sp>
-        <p:nvSpPr>
-          <p:cNvPr id="182" name="By using the GDS task list pattern we will using tried and pattern, which tells users which section in the form is completed, which is under progress and which section still needs to completed."/>
-          <p:cNvSpPr txBox="1"/>
-          <p:nvPr>
-            <p:ph type="ctrTitle"/>
-          </p:nvPr>
-        </p:nvSpPr>
-        <p:spPr>
-          <a:xfrm>
-            <a:off x="1253906" y="3534795"/>
-            <a:ext cx="22160062" cy="7132673"/>
-          </a:xfrm>
-          <a:prstGeom prst="rect">
-            <a:avLst/>
-          </a:prstGeom>
-        </p:spPr>
-        <p:txBody>
-          <a:bodyPr>
-            <a:noAutofit/>
-          </a:bodyPr>
-          <a:lstStyle/>
-          <a:p>
-            <a:pPr defTabSz="457200">
-              <a:lnSpc>
-                <a:spcPts val="11900"/>
-              </a:lnSpc>
-              <a:defRPr b="0" spc="0" sz="8000">
-                <a:latin typeface="Calibri"/>
-                <a:ea typeface="Calibri"/>
-                <a:cs typeface="Calibri"/>
-                <a:sym typeface="Calibri"/>
-              </a:defRPr>
-            </a:pPr>
-            <a:r>
-              <a:t>By using the GDS task list pattern we will using tried and pattern, which tells users which section in the form is completed, which is under progress and which section still needs to completed. </a:t>
-            </a:r>
-          </a:p>
-          <a:p>
-            <a:pPr defTabSz="457200">
-              <a:lnSpc>
-                <a:spcPts val="11900"/>
-              </a:lnSpc>
-              <a:defRPr b="0" spc="0" sz="8000">
-                <a:latin typeface="Calibri"/>
-                <a:ea typeface="Calibri"/>
-                <a:cs typeface="Calibri"/>
-                <a:sym typeface="Calibri"/>
-              </a:defRPr>
-            </a:pPr>
-            <a:r>
-              <a:t> </a:t>
-            </a:r>
-          </a:p>
-          <a:p>
-            <a:pPr defTabSz="457200">
-              <a:lnSpc>
-                <a:spcPts val="11900"/>
-              </a:lnSpc>
-              <a:defRPr b="0" spc="0" sz="8000">
-                <a:latin typeface="Calibri"/>
-                <a:ea typeface="Calibri"/>
-                <a:cs typeface="Calibri"/>
-                <a:sym typeface="Calibri"/>
-              </a:defRPr>
-            </a:pPr>
-            <a:r>
-              <a:t>  </a:t>
-            </a:r>
-          </a:p>
-        </p:txBody>
-      </p:sp>
-    </p:spTree>
-  </p:cSld>
-  <p:clrMapOvr>
-    <a:masterClrMapping/>
-  </p:clrMapOvr>
-  <p:transition xmlns:p14="http://schemas.microsoft.com/office/powerpoint/2010/main" spd="med" advClick="1"/>
-</p:sld>
-</file>
-
-<file path=ppt/slides/slide13.xml><?xml version="1.0" encoding="utf-8"?>
-<p:sld xmlns:a="http://schemas.openxmlformats.org/drawingml/2006/main" xmlns:r="http://schemas.openxmlformats.org/officeDocument/2006/relationships" xmlns:p="http://schemas.openxmlformats.org/presentationml/2006/main" xmlns:m="http://schemas.openxmlformats.org/officeDocument/2006/math" xmlns:a14="http://schemas.microsoft.com/office/drawing/2010/main" showMasterSp="1" showMasterPhAnim="1">
-  <p:cSld>
-    <p:spTree>
-      <p:nvGrpSpPr>
-        <p:cNvPr id="1" name=""/>
-        <p:cNvGrpSpPr/>
-        <p:nvPr/>
-      </p:nvGrpSpPr>
-      <p:grpSpPr>
-        <a:xfrm>
-          <a:off x="0" y="0"/>
-          <a:ext cx="0" cy="0"/>
-          <a:chOff x="0" y="0"/>
-          <a:chExt cx="0" cy="0"/>
-        </a:xfrm>
-      </p:grpSpPr>
       <p:pic>
         <p:nvPicPr>
-          <p:cNvPr id="184" name="Screenshot 2021-11-22 at 14.35.19.png" descr="Screenshot 2021-11-22 at 14.35.19.png"/>
-          <p:cNvPicPr>
-            <a:picLocks noChangeAspect="1"/>
-          </p:cNvPicPr>
-          <p:nvPr/>
-        </p:nvPicPr>
-        <p:blipFill>
-          <a:blip r:embed="rId2">
-            <a:extLst/>
-          </a:blip>
-          <a:stretch>
-            <a:fillRect/>
-          </a:stretch>
-        </p:blipFill>
-        <p:spPr>
-          <a:xfrm>
-            <a:off x="7227517" y="1448510"/>
-            <a:ext cx="12009042" cy="11376986"/>
-          </a:xfrm>
-          <a:prstGeom prst="rect">
-            <a:avLst/>
-          </a:prstGeom>
-          <a:ln w="12700">
-            <a:miter lim="400000"/>
-          </a:ln>
-        </p:spPr>
-      </p:pic>
-    </p:spTree>
-  </p:cSld>
-  <p:clrMapOvr>
-    <a:masterClrMapping/>
-  </p:clrMapOvr>
-  <p:transition xmlns:p14="http://schemas.microsoft.com/office/powerpoint/2010/main" spd="med" advClick="1"/>
-</p:sld>
-</file>
-
-<file path=ppt/slides/slide14.xml><?xml version="1.0" encoding="utf-8"?>
-<p:sld xmlns:a="http://schemas.openxmlformats.org/drawingml/2006/main" xmlns:r="http://schemas.openxmlformats.org/officeDocument/2006/relationships" xmlns:p="http://schemas.openxmlformats.org/presentationml/2006/main" xmlns:m="http://schemas.openxmlformats.org/officeDocument/2006/math" xmlns:a14="http://schemas.microsoft.com/office/drawing/2010/main" showMasterSp="1" showMasterPhAnim="1">
-  <p:cSld>
-    <p:spTree>
-      <p:nvGrpSpPr>
-        <p:cNvPr id="1" name=""/>
-        <p:cNvGrpSpPr/>
-        <p:nvPr/>
-      </p:nvGrpSpPr>
-      <p:grpSpPr>
-        <a:xfrm>
-          <a:off x="0" y="0"/>
-          <a:ext cx="0" cy="0"/>
-          <a:chOff x="0" y="0"/>
-          <a:chExt cx="0" cy="0"/>
-        </a:xfrm>
-      </p:grpSpPr>
-      <p:sp>
-        <p:nvSpPr>
-          <p:cNvPr id="186" name="Help users to correct mistakes by using GDS patterns for error handling"/>
-          <p:cNvSpPr txBox="1"/>
-          <p:nvPr>
-            <p:ph type="body" idx="21"/>
-          </p:nvPr>
-        </p:nvSpPr>
-        <p:spPr>
-          <a:xfrm>
-            <a:off x="1206499" y="894863"/>
-            <a:ext cx="21971002" cy="636979"/>
-          </a:xfrm>
-          <a:prstGeom prst="rect">
-            <a:avLst/>
-          </a:prstGeom>
-          <a:extLst>
-            <a:ext uri="{C572A759-6A51-4108-AA02-DFA0A04FC94B}">
-              <ma14:wrappingTextBoxFlag xmlns:ma14="http://schemas.microsoft.com/office/mac/drawingml/2011/main" val="1"/>
-            </a:ext>
-          </a:extLst>
-        </p:spPr>
-        <p:txBody>
-          <a:bodyPr/>
-          <a:lstStyle/>
-          <a:p>
-            <a:pPr/>
-            <a:r>
-              <a:t>Help users to correct mistakes by using GDS patterns for error handling </a:t>
-            </a:r>
-          </a:p>
-        </p:txBody>
-      </p:sp>
-      <p:sp>
-        <p:nvSpPr>
-          <p:cNvPr id="187" name="By using GDS patterns for error handling.e will using tried and pattern, which tells users which section in the form is completed, which is under progress and which section still needs to completed."/>
-          <p:cNvSpPr txBox="1"/>
-          <p:nvPr>
-            <p:ph type="ctrTitle"/>
-          </p:nvPr>
-        </p:nvSpPr>
-        <p:spPr>
-          <a:xfrm>
-            <a:off x="1253906" y="3534795"/>
-            <a:ext cx="22160062" cy="7132673"/>
-          </a:xfrm>
-          <a:prstGeom prst="rect">
-            <a:avLst/>
-          </a:prstGeom>
-        </p:spPr>
-        <p:txBody>
-          <a:bodyPr>
-            <a:noAutofit/>
-          </a:bodyPr>
-          <a:lstStyle/>
-          <a:p>
-            <a:pPr defTabSz="457200">
-              <a:lnSpc>
-                <a:spcPts val="11900"/>
-              </a:lnSpc>
-              <a:defRPr b="0" spc="0" sz="8000">
-                <a:latin typeface="Calibri"/>
-                <a:ea typeface="Calibri"/>
-                <a:cs typeface="Calibri"/>
-                <a:sym typeface="Calibri"/>
-              </a:defRPr>
-            </a:pPr>
-            <a:r>
-              <a:t>By using GDS patterns for error handling.e will using tried and pattern, which tells users which section in the form is completed, which is under progress and which section still needs to completed. </a:t>
-            </a:r>
-          </a:p>
-          <a:p>
-            <a:pPr defTabSz="457200">
-              <a:lnSpc>
-                <a:spcPts val="11900"/>
-              </a:lnSpc>
-              <a:defRPr b="0" spc="0" sz="8000">
-                <a:latin typeface="Calibri"/>
-                <a:ea typeface="Calibri"/>
-                <a:cs typeface="Calibri"/>
-                <a:sym typeface="Calibri"/>
-              </a:defRPr>
-            </a:pPr>
-            <a:r>
-              <a:t> </a:t>
-            </a:r>
-          </a:p>
-          <a:p>
-            <a:pPr defTabSz="457200">
-              <a:lnSpc>
-                <a:spcPts val="11900"/>
-              </a:lnSpc>
-              <a:defRPr b="0" spc="0" sz="8000">
-                <a:latin typeface="Calibri"/>
-                <a:ea typeface="Calibri"/>
-                <a:cs typeface="Calibri"/>
-                <a:sym typeface="Calibri"/>
-              </a:defRPr>
-            </a:pPr>
-            <a:r>
-              <a:t>  </a:t>
-            </a:r>
-          </a:p>
-        </p:txBody>
-      </p:sp>
-    </p:spTree>
-  </p:cSld>
-  <p:clrMapOvr>
-    <a:masterClrMapping/>
-  </p:clrMapOvr>
-  <p:transition xmlns:p14="http://schemas.microsoft.com/office/powerpoint/2010/main" spd="med" advClick="1"/>
-</p:sld>
-</file>
-
-<file path=ppt/slides/slide15.xml><?xml version="1.0" encoding="utf-8"?>
-<p:sld xmlns:a="http://schemas.openxmlformats.org/drawingml/2006/main" xmlns:r="http://schemas.openxmlformats.org/officeDocument/2006/relationships" xmlns:p="http://schemas.openxmlformats.org/presentationml/2006/main" xmlns:m="http://schemas.openxmlformats.org/officeDocument/2006/math" xmlns:a14="http://schemas.microsoft.com/office/drawing/2010/main" showMasterSp="1" showMasterPhAnim="1">
-  <p:cSld>
-    <p:spTree>
-      <p:nvGrpSpPr>
-        <p:cNvPr id="1" name=""/>
-        <p:cNvGrpSpPr/>
-        <p:nvPr/>
-      </p:nvGrpSpPr>
-      <p:grpSpPr>
-        <a:xfrm>
-          <a:off x="0" y="0"/>
-          <a:ext cx="0" cy="0"/>
-          <a:chOff x="0" y="0"/>
-          <a:chExt cx="0" cy="0"/>
-        </a:xfrm>
-      </p:grpSpPr>
-      <p:pic>
-        <p:nvPicPr>
-          <p:cNvPr id="189" name="13.png" descr="13.png"/>
-          <p:cNvPicPr>
-            <a:picLocks noChangeAspect="1"/>
-          </p:cNvPicPr>
-          <p:nvPr/>
-        </p:nvPicPr>
-        <p:blipFill>
-          <a:blip r:embed="rId2">
-            <a:extLst/>
-          </a:blip>
-          <a:stretch>
-            <a:fillRect/>
-          </a:stretch>
-        </p:blipFill>
-        <p:spPr>
-          <a:xfrm>
-            <a:off x="2988162" y="3164890"/>
-            <a:ext cx="9576857" cy="11002786"/>
-          </a:xfrm>
-          <a:prstGeom prst="rect">
-            <a:avLst/>
-          </a:prstGeom>
-          <a:ln w="12700">
-            <a:miter lim="400000"/>
-          </a:ln>
-        </p:spPr>
-      </p:pic>
-      <p:pic>
-        <p:nvPicPr>
-          <p:cNvPr id="190" name="Screenshot 2021-11-01 at 14.47.50.png" descr="Screenshot 2021-11-01 at 14.47.50.png"/>
+          <p:cNvPr id="177" name="Screenshot 2021-11-01 at 14.47.50.png" descr="Screenshot 2021-11-01 at 14.47.50.png"/>
           <p:cNvPicPr>
             <a:picLocks noChangeAspect="1"/>
           </p:cNvPicPr>
@@ -4662,7 +4187,7 @@
       </p:pic>
       <p:sp>
         <p:nvSpPr>
-          <p:cNvPr id="191" name="Approved"/>
+          <p:cNvPr id="178" name="Approved"/>
           <p:cNvSpPr/>
           <p:nvPr/>
         </p:nvSpPr>
@@ -4811,7 +4336,7 @@
       </p:sp>
       <p:sp>
         <p:nvSpPr>
-          <p:cNvPr id="192" name="Cancel"/>
+          <p:cNvPr id="179" name="Cancel"/>
           <p:cNvSpPr/>
           <p:nvPr/>
         </p:nvSpPr>
@@ -5012,7 +4537,7 @@
 </p:sld>
 </file>
 
-<file path=ppt/slides/slide16.xml><?xml version="1.0" encoding="utf-8"?>
+<file path=ppt/slides/slide11.xml><?xml version="1.0" encoding="utf-8"?>
 <p:sld xmlns:a="http://schemas.openxmlformats.org/drawingml/2006/main" xmlns:r="http://schemas.openxmlformats.org/officeDocument/2006/relationships" xmlns:p="http://schemas.openxmlformats.org/presentationml/2006/main" xmlns:m="http://schemas.openxmlformats.org/officeDocument/2006/math" xmlns:a14="http://schemas.microsoft.com/office/drawing/2010/main" showMasterSp="1" showMasterPhAnim="1">
   <p:cSld>
     <p:spTree>
@@ -5031,7 +4556,7 @@
       </p:grpSpPr>
       <p:sp>
         <p:nvSpPr>
-          <p:cNvPr id="194" name="Help users save time and reduce mistakes by offering business name and address lookup"/>
+          <p:cNvPr id="181" name="Help users save time and reduce mistakes by offering business name and address lookup"/>
           <p:cNvSpPr txBox="1"/>
           <p:nvPr>
             <p:ph type="body" idx="21"/>
@@ -5064,7 +4589,7 @@
       </p:sp>
       <p:sp>
         <p:nvSpPr>
-          <p:cNvPr id="195" name="By using the business name and address lookup, we can save the time that users would need to find and enter employer’s correct legal name and address. We could also reduce potential errors that could happen when user enter employer name and address."/>
+          <p:cNvPr id="182" name="By using the business name and address lookup, we can save the time that users would need to find and enter employer’s correct legal name and address. We could also reduce potential errors that could happen when user enter employer name and address."/>
           <p:cNvSpPr txBox="1"/>
           <p:nvPr>
             <p:ph type="ctrTitle"/>
@@ -5140,6 +4665,589 @@
     <a:masterClrMapping/>
   </p:clrMapOvr>
   <p:transition xmlns:p14="http://schemas.microsoft.com/office/powerpoint/2010/main" spd="med" advClick="1"/>
+</p:sld>
+</file>
+
+<file path=ppt/slides/slide12.xml><?xml version="1.0" encoding="utf-8"?>
+<p:sld xmlns:a="http://schemas.openxmlformats.org/drawingml/2006/main" xmlns:r="http://schemas.openxmlformats.org/officeDocument/2006/relationships" xmlns:p="http://schemas.openxmlformats.org/presentationml/2006/main" xmlns:m="http://schemas.openxmlformats.org/officeDocument/2006/math" xmlns:a14="http://schemas.microsoft.com/office/drawing/2010/main" showMasterSp="1" showMasterPhAnim="1">
+  <p:cSld>
+    <p:spTree>
+      <p:nvGrpSpPr>
+        <p:cNvPr id="1" name=""/>
+        <p:cNvGrpSpPr/>
+        <p:nvPr/>
+      </p:nvGrpSpPr>
+      <p:grpSpPr>
+        <a:xfrm>
+          <a:off x="0" y="0"/>
+          <a:ext cx="0" cy="0"/>
+          <a:chOff x="0" y="0"/>
+          <a:chExt cx="0" cy="0"/>
+        </a:xfrm>
+      </p:grpSpPr>
+      <p:pic>
+        <p:nvPicPr>
+          <p:cNvPr id="184" name="Screenshot 2021-11-22 at 14.49.33.png" descr="Screenshot 2021-11-22 at 14.49.33.png"/>
+          <p:cNvPicPr>
+            <a:picLocks noChangeAspect="1"/>
+          </p:cNvPicPr>
+          <p:nvPr/>
+        </p:nvPicPr>
+        <p:blipFill>
+          <a:blip r:embed="rId2">
+            <a:extLst/>
+          </a:blip>
+          <a:stretch>
+            <a:fillRect/>
+          </a:stretch>
+        </p:blipFill>
+        <p:spPr>
+          <a:xfrm>
+            <a:off x="14510213" y="1984052"/>
+            <a:ext cx="9883821" cy="9324360"/>
+          </a:xfrm>
+          <a:prstGeom prst="rect">
+            <a:avLst/>
+          </a:prstGeom>
+          <a:ln w="12700">
+            <a:miter lim="400000"/>
+          </a:ln>
+        </p:spPr>
+      </p:pic>
+      <p:pic>
+        <p:nvPicPr>
+          <p:cNvPr id="185" name="Screenshot 2021-11-22 at 14.49.38.png" descr="Screenshot 2021-11-22 at 14.49.38.png"/>
+          <p:cNvPicPr>
+            <a:picLocks noChangeAspect="1"/>
+          </p:cNvPicPr>
+          <p:nvPr/>
+        </p:nvPicPr>
+        <p:blipFill>
+          <a:blip r:embed="rId3">
+            <a:extLst/>
+          </a:blip>
+          <a:stretch>
+            <a:fillRect/>
+          </a:stretch>
+        </p:blipFill>
+        <p:spPr>
+          <a:xfrm>
+            <a:off x="-302404" y="1984052"/>
+            <a:ext cx="15468982" cy="9324360"/>
+          </a:xfrm>
+          <a:prstGeom prst="rect">
+            <a:avLst/>
+          </a:prstGeom>
+          <a:ln w="12700">
+            <a:miter lim="400000"/>
+          </a:ln>
+        </p:spPr>
+      </p:pic>
+    </p:spTree>
+  </p:cSld>
+  <p:clrMapOvr>
+    <a:masterClrMapping/>
+  </p:clrMapOvr>
+  <p:transition xmlns:p14="http://schemas.microsoft.com/office/powerpoint/2010/main" spd="med" advClick="1"/>
+</p:sld>
+</file>
+
+<file path=ppt/slides/slide13.xml><?xml version="1.0" encoding="utf-8"?>
+<p:sld xmlns:a="http://schemas.openxmlformats.org/drawingml/2006/main" xmlns:r="http://schemas.openxmlformats.org/officeDocument/2006/relationships" xmlns:p="http://schemas.openxmlformats.org/presentationml/2006/main" xmlns:m="http://schemas.openxmlformats.org/officeDocument/2006/math" xmlns:a14="http://schemas.microsoft.com/office/drawing/2010/main" showMasterSp="1" showMasterPhAnim="1">
+  <p:cSld>
+    <p:spTree>
+      <p:nvGrpSpPr>
+        <p:cNvPr id="1" name=""/>
+        <p:cNvGrpSpPr/>
+        <p:nvPr/>
+      </p:nvGrpSpPr>
+      <p:grpSpPr>
+        <a:xfrm>
+          <a:off x="0" y="0"/>
+          <a:ext cx="0" cy="0"/>
+          <a:chOff x="0" y="0"/>
+          <a:chExt cx="0" cy="0"/>
+        </a:xfrm>
+      </p:grpSpPr>
+      <p:sp>
+        <p:nvSpPr>
+          <p:cNvPr id="187" name="Help users to stay informed about the case status with a dashboard"/>
+          <p:cNvSpPr txBox="1"/>
+          <p:nvPr>
+            <p:ph type="body" idx="21"/>
+          </p:nvPr>
+        </p:nvSpPr>
+        <p:spPr>
+          <a:xfrm>
+            <a:off x="1206499" y="894863"/>
+            <a:ext cx="21971002" cy="636979"/>
+          </a:xfrm>
+          <a:prstGeom prst="rect">
+            <a:avLst/>
+          </a:prstGeom>
+          <a:extLst>
+            <a:ext uri="{C572A759-6A51-4108-AA02-DFA0A04FC94B}">
+              <ma14:wrappingTextBoxFlag xmlns:ma14="http://schemas.microsoft.com/office/mac/drawingml/2011/main" val="1"/>
+            </a:ext>
+          </a:extLst>
+        </p:spPr>
+        <p:txBody>
+          <a:bodyPr/>
+          <a:lstStyle/>
+          <a:p>
+            <a:pPr/>
+            <a:r>
+              <a:t>Help users to stay informed about the case status with a dashboard</a:t>
+            </a:r>
+          </a:p>
+        </p:txBody>
+      </p:sp>
+      <p:sp>
+        <p:nvSpPr>
+          <p:cNvPr id="188" name="By using as dashboard we help users lets a user know where they are in the conciliation process and avoid too many phones calls from 'needy' (maybe unrepresented) customers that are anxious."/>
+          <p:cNvSpPr txBox="1"/>
+          <p:nvPr>
+            <p:ph type="ctrTitle"/>
+          </p:nvPr>
+        </p:nvSpPr>
+        <p:spPr>
+          <a:xfrm>
+            <a:off x="1253906" y="3534795"/>
+            <a:ext cx="22160062" cy="7132673"/>
+          </a:xfrm>
+          <a:prstGeom prst="rect">
+            <a:avLst/>
+          </a:prstGeom>
+        </p:spPr>
+        <p:txBody>
+          <a:bodyPr>
+            <a:noAutofit/>
+          </a:bodyPr>
+          <a:lstStyle/>
+          <a:p>
+            <a:pPr defTabSz="457200">
+              <a:lnSpc>
+                <a:spcPts val="11900"/>
+              </a:lnSpc>
+              <a:defRPr b="0" spc="0" sz="8000">
+                <a:latin typeface="Calibri"/>
+                <a:ea typeface="Calibri"/>
+                <a:cs typeface="Calibri"/>
+                <a:sym typeface="Calibri"/>
+              </a:defRPr>
+            </a:pPr>
+            <a:r>
+              <a:t>By using as dashboard we help users lets a user know where they are in the conciliation process and avoid too many phones calls from 'needy' (maybe unrepresented) customers that are anxious. </a:t>
+            </a:r>
+          </a:p>
+          <a:p>
+            <a:pPr defTabSz="457200">
+              <a:lnSpc>
+                <a:spcPts val="11900"/>
+              </a:lnSpc>
+              <a:defRPr b="0" spc="0" sz="8000">
+                <a:latin typeface="Calibri"/>
+                <a:ea typeface="Calibri"/>
+                <a:cs typeface="Calibri"/>
+                <a:sym typeface="Calibri"/>
+              </a:defRPr>
+            </a:pPr>
+            <a:r>
+              <a:t>  </a:t>
+            </a:r>
+          </a:p>
+        </p:txBody>
+      </p:sp>
+    </p:spTree>
+  </p:cSld>
+  <p:clrMapOvr>
+    <a:masterClrMapping/>
+  </p:clrMapOvr>
+  <p:transition xmlns:p14="http://schemas.microsoft.com/office/powerpoint/2010/main" spd="med" advClick="1"/>
+</p:sld>
+</file>
+
+<file path=ppt/slides/slide14.xml><?xml version="1.0" encoding="utf-8"?>
+<p:sld xmlns:a="http://schemas.openxmlformats.org/drawingml/2006/main" xmlns:r="http://schemas.openxmlformats.org/officeDocument/2006/relationships" xmlns:p="http://schemas.openxmlformats.org/presentationml/2006/main" xmlns:m="http://schemas.openxmlformats.org/officeDocument/2006/math" xmlns:a14="http://schemas.microsoft.com/office/drawing/2010/main" showMasterSp="1" showMasterPhAnim="1">
+  <p:cSld>
+    <p:spTree>
+      <p:nvGrpSpPr>
+        <p:cNvPr id="1" name=""/>
+        <p:cNvGrpSpPr/>
+        <p:nvPr/>
+      </p:nvGrpSpPr>
+      <p:grpSpPr>
+        <a:xfrm>
+          <a:off x="0" y="0"/>
+          <a:ext cx="0" cy="0"/>
+          <a:chOff x="0" y="0"/>
+          <a:chExt cx="0" cy="0"/>
+        </a:xfrm>
+      </p:grpSpPr>
+      <p:pic>
+        <p:nvPicPr>
+          <p:cNvPr id="190" name="Screenshot 2021-11-22 at 14.57.38.png" descr="Screenshot 2021-11-22 at 14.57.38.png"/>
+          <p:cNvPicPr>
+            <a:picLocks noChangeAspect="1"/>
+          </p:cNvPicPr>
+          <p:nvPr/>
+        </p:nvPicPr>
+        <p:blipFill>
+          <a:blip r:embed="rId2">
+            <a:extLst/>
+          </a:blip>
+          <a:stretch>
+            <a:fillRect/>
+          </a:stretch>
+        </p:blipFill>
+        <p:spPr>
+          <a:xfrm>
+            <a:off x="7934973" y="3278007"/>
+            <a:ext cx="8001001" cy="7823201"/>
+          </a:xfrm>
+          <a:prstGeom prst="rect">
+            <a:avLst/>
+          </a:prstGeom>
+          <a:ln w="12700">
+            <a:miter lim="400000"/>
+          </a:ln>
+        </p:spPr>
+      </p:pic>
+    </p:spTree>
+  </p:cSld>
+  <p:clrMapOvr>
+    <a:masterClrMapping/>
+  </p:clrMapOvr>
+  <p:transition xmlns:p14="http://schemas.microsoft.com/office/powerpoint/2010/main" spd="med" advClick="1"/>
+</p:sld>
+</file>
+
+<file path=ppt/slides/slide15.xml><?xml version="1.0" encoding="utf-8"?>
+<p:sld xmlns:a="http://schemas.openxmlformats.org/drawingml/2006/main" xmlns:r="http://schemas.openxmlformats.org/officeDocument/2006/relationships" xmlns:p="http://schemas.openxmlformats.org/presentationml/2006/main" xmlns:m="http://schemas.openxmlformats.org/officeDocument/2006/math" xmlns:a14="http://schemas.microsoft.com/office/drawing/2010/main" showMasterSp="1" showMasterPhAnim="1">
+  <p:cSld>
+    <p:spTree>
+      <p:nvGrpSpPr>
+        <p:cNvPr id="1" name=""/>
+        <p:cNvGrpSpPr/>
+        <p:nvPr/>
+      </p:nvGrpSpPr>
+      <p:grpSpPr>
+        <a:xfrm>
+          <a:off x="0" y="0"/>
+          <a:ext cx="0" cy="0"/>
+          <a:chOff x="0" y="0"/>
+          <a:chExt cx="0" cy="0"/>
+        </a:xfrm>
+      </p:grpSpPr>
+      <p:sp>
+        <p:nvSpPr>
+          <p:cNvPr id="192" name="Help users to get  visibility of all the steps in the process so they know what to expect."/>
+          <p:cNvSpPr txBox="1"/>
+          <p:nvPr>
+            <p:ph type="body" idx="21"/>
+          </p:nvPr>
+        </p:nvSpPr>
+        <p:spPr>
+          <a:xfrm>
+            <a:off x="1206499" y="894863"/>
+            <a:ext cx="21971002" cy="636979"/>
+          </a:xfrm>
+          <a:prstGeom prst="rect">
+            <a:avLst/>
+          </a:prstGeom>
+          <a:extLst>
+            <a:ext uri="{C572A759-6A51-4108-AA02-DFA0A04FC94B}">
+              <ma14:wrappingTextBoxFlag xmlns:ma14="http://schemas.microsoft.com/office/mac/drawingml/2011/main" val="1"/>
+            </a:ext>
+          </a:extLst>
+        </p:spPr>
+        <p:txBody>
+          <a:bodyPr/>
+          <a:lstStyle/>
+          <a:p>
+            <a:pPr/>
+            <a:r>
+              <a:t>Help users to get  visibility of all the steps in the process so they know what to expect. </a:t>
+            </a:r>
+          </a:p>
+        </p:txBody>
+      </p:sp>
+      <p:sp>
+        <p:nvSpPr>
+          <p:cNvPr id="193" name="Consider using  start page with step by step navigation to give users visibility of all the steps in the process so they know what to expect.…"/>
+          <p:cNvSpPr txBox="1"/>
+          <p:nvPr>
+            <p:ph type="ctrTitle"/>
+          </p:nvPr>
+        </p:nvSpPr>
+        <p:spPr>
+          <a:xfrm>
+            <a:off x="1253906" y="3534795"/>
+            <a:ext cx="22113226" cy="7775626"/>
+          </a:xfrm>
+          <a:prstGeom prst="rect">
+            <a:avLst/>
+          </a:prstGeom>
+        </p:spPr>
+        <p:txBody>
+          <a:bodyPr>
+            <a:noAutofit/>
+          </a:bodyPr>
+          <a:lstStyle/>
+          <a:p>
+            <a:pPr defTabSz="457200">
+              <a:lnSpc>
+                <a:spcPts val="11900"/>
+              </a:lnSpc>
+              <a:defRPr b="0" spc="0" sz="8000">
+                <a:latin typeface="Calibri"/>
+                <a:ea typeface="Calibri"/>
+                <a:cs typeface="Calibri"/>
+                <a:sym typeface="Calibri"/>
+              </a:defRPr>
+            </a:pPr>
+            <a:r>
+              <a:t>Consider using  start page with step by step navigation to give users visibility of all the steps in the process so they know what to expect.</a:t>
+            </a:r>
+          </a:p>
+          <a:p>
+            <a:pPr defTabSz="457200">
+              <a:lnSpc>
+                <a:spcPts val="11900"/>
+              </a:lnSpc>
+              <a:defRPr b="0" spc="0" sz="8000">
+                <a:latin typeface="Calibri"/>
+                <a:ea typeface="Calibri"/>
+                <a:cs typeface="Calibri"/>
+                <a:sym typeface="Calibri"/>
+              </a:defRPr>
+            </a:pPr>
+          </a:p>
+          <a:p>
+            <a:pPr defTabSz="457200">
+              <a:lnSpc>
+                <a:spcPct val="100000"/>
+              </a:lnSpc>
+              <a:defRPr b="0" spc="0" sz="5200"/>
+            </a:pPr>
+            <a:r>
+              <a:t>Please watch GDS video on how this pattern has been used across government to improve user experience, save time and money.</a:t>
+            </a:r>
+          </a:p>
+          <a:p>
+            <a:pPr defTabSz="457200">
+              <a:lnSpc>
+                <a:spcPct val="100000"/>
+              </a:lnSpc>
+              <a:defRPr b="0" spc="0" sz="5200"/>
+            </a:pPr>
+            <a:r>
+              <a:rPr u="sng">
+                <a:hlinkClick r:id="rId2" invalidUrl="" action="" tgtFrame="" tooltip="" history="1" highlightClick="0" endSnd="0"/>
+              </a:rPr>
+              <a:t>https://www.youtube.com/watch?v=I5gP62TX8aQ</a:t>
+            </a:r>
+            <a:r>
+              <a:t> </a:t>
+            </a:r>
+          </a:p>
+        </p:txBody>
+      </p:sp>
+    </p:spTree>
+  </p:cSld>
+  <p:clrMapOvr>
+    <a:masterClrMapping/>
+  </p:clrMapOvr>
+  <p:transition xmlns:p14="http://schemas.microsoft.com/office/powerpoint/2010/main" spd="med" advClick="1"/>
+</p:sld>
+</file>
+
+<file path=ppt/slides/slide16.xml><?xml version="1.0" encoding="utf-8"?>
+<p:sld xmlns:a="http://schemas.openxmlformats.org/drawingml/2006/main" xmlns:r="http://schemas.openxmlformats.org/officeDocument/2006/relationships" xmlns:p="http://schemas.openxmlformats.org/presentationml/2006/main" xmlns:m="http://schemas.openxmlformats.org/officeDocument/2006/math" xmlns:a14="http://schemas.microsoft.com/office/drawing/2010/main" showMasterSp="1" showMasterPhAnim="1">
+  <p:cSld>
+    <p:spTree>
+      <p:nvGrpSpPr>
+        <p:cNvPr id="1" name=""/>
+        <p:cNvGrpSpPr/>
+        <p:nvPr/>
+      </p:nvGrpSpPr>
+      <p:grpSpPr>
+        <a:xfrm>
+          <a:off x="0" y="0"/>
+          <a:ext cx="0" cy="0"/>
+          <a:chOff x="0" y="0"/>
+          <a:chExt cx="0" cy="0"/>
+        </a:xfrm>
+      </p:grpSpPr>
+      <p:pic>
+        <p:nvPicPr>
+          <p:cNvPr id="195" name="Building step by step journeys into GOV.UK" descr="Building step by step journeys into GOV.UK"/>
+          <p:cNvPicPr>
+            <a:picLocks noChangeAspect="0"/>
+          </p:cNvPicPr>
+          <p:nvPr>
+            <a:videoFile xmlns:mc="http://schemas.openxmlformats.org/markup-compatibility/2006" xmlns:aiw="http://developer.apple.com/namespaces/iwork" r:link="rId2" mc:Ignorable="aiw" aiw:title="Building step by step journeys into GOV.UK" aiw:author="Government Digital Service"/>
+          </p:nvPr>
+        </p:nvPicPr>
+        <p:blipFill>
+          <a:blip r:embed="rId3">
+            <a:extLst/>
+          </a:blip>
+          <a:stretch>
+            <a:fillRect/>
+          </a:stretch>
+        </p:blipFill>
+        <p:spPr>
+          <a:xfrm>
+            <a:off x="4063999" y="2182054"/>
+            <a:ext cx="16440795" cy="9247946"/>
+          </a:xfrm>
+          <a:prstGeom prst="rect">
+            <a:avLst/>
+          </a:prstGeom>
+        </p:spPr>
+      </p:pic>
+    </p:spTree>
+  </p:cSld>
+  <p:clrMapOvr>
+    <a:masterClrMapping/>
+  </p:clrMapOvr>
+  <p:transition xmlns:p14="http://schemas.microsoft.com/office/powerpoint/2010/main" spd="med" advClick="1"/>
+  <p:timing>
+    <p:tnLst>
+      <p:par>
+        <p:cTn id="1" nodeType="tmRoot" restart="never" dur="indefinite" fill="hold">
+          <p:childTnLst>
+            <p:seq concurrent="1" prevAc="none" nextAc="seek">
+              <p:cTn id="2" nodeType="mainSeq" dur="indefinite" fill="hold">
+                <p:childTnLst>
+                  <p:par>
+                    <p:cTn id="3" fill="hold">
+                      <p:stCondLst>
+                        <p:cond delay="indefinite"/>
+                      </p:stCondLst>
+                      <p:childTnLst>
+                        <p:par>
+                          <p:cTn id="4" fill="hold">
+                            <p:stCondLst>
+                              <p:cond delay="0"/>
+                            </p:stCondLst>
+                            <p:childTnLst>
+                              <p:par>
+                                <p:cTn id="5" presetClass="mediacall" nodeType="clickEffect" presetSubtype="0" presetID="1" grpId="1" fill="hold">
+                                  <p:stCondLst>
+                                    <p:cond delay="0"/>
+                                  </p:stCondLst>
+                                  <p:childTnLst>
+                                    <p:cmd type="call" cmd="playFrom(0.0)">
+                                      <p:cBhvr>
+                                        <p:cTn id="6" dur="1" fill="hold"/>
+                                        <p:tgtEl>
+                                          <p:spTgt spid="195"/>
+                                        </p:tgtEl>
+                                      </p:cBhvr>
+                                    </p:cmd>
+                                  </p:childTnLst>
+                                </p:cTn>
+                              </p:par>
+                            </p:childTnLst>
+                          </p:cTn>
+                        </p:par>
+                      </p:childTnLst>
+                    </p:cTn>
+                  </p:par>
+                </p:childTnLst>
+              </p:cTn>
+              <p:prevCondLst>
+                <p:cond evt="onPrev">
+                  <p:tgtEl>
+                    <p:sldTgt/>
+                  </p:tgtEl>
+                </p:cond>
+              </p:prevCondLst>
+              <p:nextCondLst>
+                <p:cond evt="onNext">
+                  <p:tgtEl>
+                    <p:sldTgt/>
+                  </p:tgtEl>
+                </p:cond>
+              </p:nextCondLst>
+            </p:seq>
+            <p:video fullScrn="0">
+              <p:cMediaNode mute="0" showWhenStopped="1" numSld="1" vol="80000">
+                <p:cTn id="7" fill="hold" display="0">
+                  <p:stCondLst>
+                    <p:cond delay="indefinite"/>
+                  </p:stCondLst>
+                </p:cTn>
+                <p:tgtEl>
+                  <p:spTgt spid="195"/>
+                </p:tgtEl>
+              </p:cMediaNode>
+            </p:video>
+            <p:seq concurrent="1" prevAc="none" nextAc="seek">
+              <p:cTn id="8" evtFilter="cancelBubble" nodeType="interactiveSeq" restart="whenNotActive" fill="hold">
+                <p:stCondLst>
+                  <p:cond delay="0" evt="onClick">
+                    <p:tgtEl>
+                      <p:spTgt spid="195"/>
+                    </p:tgtEl>
+                  </p:cond>
+                </p:stCondLst>
+                <p:endSync delay="0" evt="end">
+                  <p:rtn val="all"/>
+                </p:endSync>
+                <p:childTnLst>
+                  <p:par>
+                    <p:cTn id="9" fill="hold">
+                      <p:stCondLst>
+                        <p:cond delay="0"/>
+                      </p:stCondLst>
+                      <p:childTnLst>
+                        <p:par>
+                          <p:cTn id="10" fill="hold">
+                            <p:stCondLst>
+                              <p:cond delay="0"/>
+                            </p:stCondLst>
+                            <p:childTnLst>
+                              <p:par>
+                                <p:cTn id="11" presetClass="mediacall" nodeType="clickEffect" presetSubtype="0" presetID="2" fill="hold">
+                                  <p:stCondLst>
+                                    <p:cond delay="0"/>
+                                  </p:stCondLst>
+                                  <p:childTnLst>
+                                    <p:cmd type="call" cmd="togglePause">
+                                      <p:cBhvr>
+                                        <p:cTn id="12" dur="1" fill="hold"/>
+                                        <p:tgtEl>
+                                          <p:spTgt spid="195"/>
+                                        </p:tgtEl>
+                                      </p:cBhvr>
+                                    </p:cmd>
+                                  </p:childTnLst>
+                                </p:cTn>
+                              </p:par>
+                            </p:childTnLst>
+                          </p:cTn>
+                        </p:par>
+                      </p:childTnLst>
+                    </p:cTn>
+                  </p:par>
+                </p:childTnLst>
+              </p:cTn>
+              <p:nextCondLst>
+                <p:cond delay="0" evt="onClick">
+                  <p:tgtEl>
+                    <p:spTgt spid="195"/>
+                  </p:tgtEl>
+                </p:cond>
+              </p:nextCondLst>
+            </p:seq>
+          </p:childTnLst>
+        </p:cTn>
+      </p:par>
+    </p:tnLst>
+  </p:timing>
 </p:sld>
 </file>
 
@@ -5162,7 +5270,7 @@
       </p:grpSpPr>
       <p:pic>
         <p:nvPicPr>
-          <p:cNvPr id="197" name="Screenshot 2021-11-22 at 14.49.33.png" descr="Screenshot 2021-11-22 at 14.49.33.png"/>
+          <p:cNvPr id="197" name="Screenshot 2021-11-22 at 15.09.45.png" descr="Screenshot 2021-11-22 at 15.09.45.png"/>
           <p:cNvPicPr>
             <a:picLocks noChangeAspect="1"/>
           </p:cNvPicPr>
@@ -5178,8 +5286,8 @@
         </p:blipFill>
         <p:spPr>
           <a:xfrm>
-            <a:off x="14510213" y="1984052"/>
-            <a:ext cx="9883821" cy="9324360"/>
+            <a:off x="7835727" y="3254379"/>
+            <a:ext cx="8449692" cy="9577020"/>
           </a:xfrm>
           <a:prstGeom prst="rect">
             <a:avLst/>
@@ -5189,26 +5297,16 @@
           </a:ln>
         </p:spPr>
       </p:pic>
-      <p:pic>
-        <p:nvPicPr>
-          <p:cNvPr id="198" name="Screenshot 2021-11-22 at 14.49.38.png" descr="Screenshot 2021-11-22 at 14.49.38.png"/>
-          <p:cNvPicPr>
-            <a:picLocks noChangeAspect="1"/>
-          </p:cNvPicPr>
+      <p:sp>
+        <p:nvSpPr>
+          <p:cNvPr id="198" name="https://miro.com/app/board/o9J_lmKcXHc=/?invite_link_id=919763344598"/>
+          <p:cNvSpPr txBox="1"/>
           <p:nvPr/>
-        </p:nvPicPr>
-        <p:blipFill>
-          <a:blip r:embed="rId3">
-            <a:extLst/>
-          </a:blip>
-          <a:stretch>
-            <a:fillRect/>
-          </a:stretch>
-        </p:blipFill>
+        </p:nvSpPr>
         <p:spPr>
           <a:xfrm>
-            <a:off x="-302404" y="1984052"/>
-            <a:ext cx="15468982" cy="9324360"/>
+            <a:off x="7028230" y="2037060"/>
+            <a:ext cx="10327540" cy="461367"/>
           </a:xfrm>
           <a:prstGeom prst="rect">
             <a:avLst/>
@@ -5216,50 +5314,6 @@
           <a:ln w="12700">
             <a:miter lim="400000"/>
           </a:ln>
-        </p:spPr>
-      </p:pic>
-    </p:spTree>
-  </p:cSld>
-  <p:clrMapOvr>
-    <a:masterClrMapping/>
-  </p:clrMapOvr>
-  <p:transition xmlns:p14="http://schemas.microsoft.com/office/powerpoint/2010/main" spd="med" advClick="1"/>
-</p:sld>
-</file>
-
-<file path=ppt/slides/slide18.xml><?xml version="1.0" encoding="utf-8"?>
-<p:sld xmlns:a="http://schemas.openxmlformats.org/drawingml/2006/main" xmlns:r="http://schemas.openxmlformats.org/officeDocument/2006/relationships" xmlns:p="http://schemas.openxmlformats.org/presentationml/2006/main" xmlns:m="http://schemas.openxmlformats.org/officeDocument/2006/math" xmlns:a14="http://schemas.microsoft.com/office/drawing/2010/main" showMasterSp="1" showMasterPhAnim="1">
-  <p:cSld>
-    <p:spTree>
-      <p:nvGrpSpPr>
-        <p:cNvPr id="1" name=""/>
-        <p:cNvGrpSpPr/>
-        <p:nvPr/>
-      </p:nvGrpSpPr>
-      <p:grpSpPr>
-        <a:xfrm>
-          <a:off x="0" y="0"/>
-          <a:ext cx="0" cy="0"/>
-          <a:chOff x="0" y="0"/>
-          <a:chExt cx="0" cy="0"/>
-        </a:xfrm>
-      </p:grpSpPr>
-      <p:sp>
-        <p:nvSpPr>
-          <p:cNvPr id="200" name="Help users to stay informed about the case status with a dashboard"/>
-          <p:cNvSpPr txBox="1"/>
-          <p:nvPr>
-            <p:ph type="body" idx="21"/>
-          </p:nvPr>
-        </p:nvSpPr>
-        <p:spPr>
-          <a:xfrm>
-            <a:off x="1206499" y="894863"/>
-            <a:ext cx="21971002" cy="636979"/>
-          </a:xfrm>
-          <a:prstGeom prst="rect">
-            <a:avLst/>
-          </a:prstGeom>
           <a:extLst>
             <a:ext uri="{C572A759-6A51-4108-AA02-DFA0A04FC94B}">
               <ma14:wrappingTextBoxFlag xmlns:ma14="http://schemas.microsoft.com/office/mac/drawingml/2011/main" val="1"/>
@@ -5267,118 +5321,28 @@
           </a:extLst>
         </p:spPr>
         <p:txBody>
-          <a:bodyPr/>
+          <a:bodyPr wrap="none" lIns="50800" tIns="50800" rIns="50800" bIns="50800" anchor="ctr">
+            <a:spAutoFit/>
+          </a:bodyPr>
           <a:lstStyle/>
           <a:p>
             <a:pPr/>
             <a:r>
-              <a:t>Help users to stay informed about the case status with a dashboard</a:t>
+              <a:t>https://miro.com/app/board/o9J_lmKcXHc=/?invite_link_id=919763344598</a:t>
             </a:r>
           </a:p>
         </p:txBody>
       </p:sp>
       <p:sp>
         <p:nvSpPr>
-          <p:cNvPr id="201" name="By using as dashboard we help users lets a user know where they are in the conciliation process and avoid too many phones calls from 'needy' (maybe unrepresented) customers that are anxious."/>
+          <p:cNvPr id="199" name="User needs, pain-points, evidence and opportunities"/>
           <p:cNvSpPr txBox="1"/>
-          <p:nvPr>
-            <p:ph type="ctrTitle"/>
-          </p:nvPr>
+          <p:nvPr/>
         </p:nvSpPr>
         <p:spPr>
           <a:xfrm>
-            <a:off x="1253906" y="3534795"/>
-            <a:ext cx="22160062" cy="7132673"/>
-          </a:xfrm>
-          <a:prstGeom prst="rect">
-            <a:avLst/>
-          </a:prstGeom>
-        </p:spPr>
-        <p:txBody>
-          <a:bodyPr>
-            <a:noAutofit/>
-          </a:bodyPr>
-          <a:lstStyle/>
-          <a:p>
-            <a:pPr defTabSz="457200">
-              <a:lnSpc>
-                <a:spcPts val="11900"/>
-              </a:lnSpc>
-              <a:defRPr b="0" spc="0" sz="8000">
-                <a:latin typeface="Calibri"/>
-                <a:ea typeface="Calibri"/>
-                <a:cs typeface="Calibri"/>
-                <a:sym typeface="Calibri"/>
-              </a:defRPr>
-            </a:pPr>
-            <a:r>
-              <a:t>By using as dashboard we help users lets a user know where they are in the conciliation process and avoid too many phones calls from 'needy' (maybe unrepresented) customers that are anxious. </a:t>
-            </a:r>
-          </a:p>
-          <a:p>
-            <a:pPr defTabSz="457200">
-              <a:lnSpc>
-                <a:spcPts val="11900"/>
-              </a:lnSpc>
-              <a:defRPr b="0" spc="0" sz="8000">
-                <a:latin typeface="Calibri"/>
-                <a:ea typeface="Calibri"/>
-                <a:cs typeface="Calibri"/>
-                <a:sym typeface="Calibri"/>
-              </a:defRPr>
-            </a:pPr>
-            <a:r>
-              <a:t>  </a:t>
-            </a:r>
-          </a:p>
-        </p:txBody>
-      </p:sp>
-    </p:spTree>
-  </p:cSld>
-  <p:clrMapOvr>
-    <a:masterClrMapping/>
-  </p:clrMapOvr>
-  <p:transition xmlns:p14="http://schemas.microsoft.com/office/powerpoint/2010/main" spd="med" advClick="1"/>
-</p:sld>
-</file>
-
-<file path=ppt/slides/slide19.xml><?xml version="1.0" encoding="utf-8"?>
-<p:sld xmlns:a="http://schemas.openxmlformats.org/drawingml/2006/main" xmlns:r="http://schemas.openxmlformats.org/officeDocument/2006/relationships" xmlns:p="http://schemas.openxmlformats.org/presentationml/2006/main" xmlns:m="http://schemas.openxmlformats.org/officeDocument/2006/math" xmlns:a14="http://schemas.microsoft.com/office/drawing/2010/main" showMasterSp="1" showMasterPhAnim="1">
-  <p:cSld>
-    <p:spTree>
-      <p:nvGrpSpPr>
-        <p:cNvPr id="1" name=""/>
-        <p:cNvGrpSpPr/>
-        <p:nvPr/>
-      </p:nvGrpSpPr>
-      <p:grpSpPr>
-        <a:xfrm>
-          <a:off x="0" y="0"/>
-          <a:ext cx="0" cy="0"/>
-          <a:chOff x="0" y="0"/>
-          <a:chExt cx="0" cy="0"/>
-        </a:xfrm>
-      </p:grpSpPr>
-      <p:pic>
-        <p:nvPicPr>
-          <p:cNvPr id="203" name="Screenshot 2021-11-22 at 14.57.38.png" descr="Screenshot 2021-11-22 at 14.57.38.png"/>
-          <p:cNvPicPr>
-            <a:picLocks noChangeAspect="1"/>
-          </p:cNvPicPr>
-          <p:nvPr/>
-        </p:nvPicPr>
-        <p:blipFill>
-          <a:blip r:embed="rId2">
-            <a:extLst/>
-          </a:blip>
-          <a:stretch>
-            <a:fillRect/>
-          </a:stretch>
-        </p:blipFill>
-        <p:spPr>
-          <a:xfrm>
-            <a:off x="7934973" y="3278007"/>
-            <a:ext cx="8001001" cy="7823201"/>
+            <a:off x="1930548" y="694963"/>
+            <a:ext cx="22149590" cy="1031261"/>
           </a:xfrm>
           <a:prstGeom prst="rect">
             <a:avLst/>
@@ -5386,8 +5350,29 @@
           <a:ln w="12700">
             <a:miter lim="400000"/>
           </a:ln>
-        </p:spPr>
-      </p:pic>
+          <a:extLst>
+            <a:ext uri="{C572A759-6A51-4108-AA02-DFA0A04FC94B}">
+              <ma14:wrappingTextBoxFlag xmlns:ma14="http://schemas.microsoft.com/office/mac/drawingml/2011/main" val="1"/>
+            </a:ext>
+          </a:extLst>
+        </p:spPr>
+        <p:txBody>
+          <a:bodyPr lIns="50800" tIns="50800" rIns="50800" bIns="50800" anchor="ctr">
+            <a:spAutoFit/>
+          </a:bodyPr>
+          <a:lstStyle>
+            <a:lvl1pPr>
+              <a:defRPr b="1" sz="6200"/>
+            </a:lvl1pPr>
+          </a:lstStyle>
+          <a:p>
+            <a:pPr/>
+            <a:r>
+              <a:t>User needs, pain-points, evidence and opportunities  </a:t>
+            </a:r>
+          </a:p>
+        </p:txBody>
+      </p:sp>
     </p:spTree>
   </p:cSld>
   <p:clrMapOvr>
@@ -5416,7 +5401,7 @@
       </p:grpSpPr>
       <p:sp>
         <p:nvSpPr>
-          <p:cNvPr id="154" name="Problem to be solved"/>
+          <p:cNvPr id="154" name="Help users get a better user experience by using tired and tested GDS patterns"/>
           <p:cNvSpPr txBox="1"/>
           <p:nvPr>
             <p:ph type="body" idx="21"/>
@@ -5424,7 +5409,7 @@
         </p:nvSpPr>
         <p:spPr>
           <a:xfrm>
-            <a:off x="1206499" y="880953"/>
+            <a:off x="1206499" y="894863"/>
             <a:ext cx="21971002" cy="636979"/>
           </a:xfrm>
           <a:prstGeom prst="rect">
@@ -5442,14 +5427,14 @@
           <a:p>
             <a:pPr/>
             <a:r>
-              <a:t>Problem to be solved </a:t>
+              <a:t>Help users get a better user experience by using tired and tested GDS patterns</a:t>
             </a:r>
           </a:p>
         </p:txBody>
       </p:sp>
       <p:sp>
         <p:nvSpPr>
-          <p:cNvPr id="155" name="How can we offer our users the simplest and most accessible journey to help them resolve their employment dispute at the earliest point possible, and ensure that they experience a high-quality, value-added service that leads to an appropriate outcome for"/>
+          <p:cNvPr id="155" name="Learn from the research and experience of other service teams and avoid repeating work that’s already been done."/>
           <p:cNvSpPr txBox="1"/>
           <p:nvPr>
             <p:ph type="ctrTitle"/>
@@ -5457,8 +5442,8 @@
         </p:nvSpPr>
         <p:spPr>
           <a:xfrm>
-            <a:off x="1253906" y="2282883"/>
-            <a:ext cx="22160062" cy="10481053"/>
+            <a:off x="1253906" y="3534795"/>
+            <a:ext cx="22160062" cy="7132673"/>
           </a:xfrm>
           <a:prstGeom prst="rect">
             <a:avLst/>
@@ -5468,38 +5453,8 @@
           <a:bodyPr>
             <a:noAutofit/>
           </a:bodyPr>
-          <a:lstStyle/>
-          <a:p>
-            <a:pPr defTabSz="457200">
-              <a:lnSpc>
-                <a:spcPts val="11900"/>
-              </a:lnSpc>
-              <a:defRPr b="0" spc="0" sz="8000">
-                <a:latin typeface="Arial"/>
-                <a:ea typeface="Arial"/>
-                <a:cs typeface="Arial"/>
-                <a:sym typeface="Arial"/>
-              </a:defRPr>
-            </a:pPr>
-            <a:r>
-              <a:t>How can we offer our users the simplest and most accessible journey to help them resolve their employment dispute at the earliest point possible, and ensure that they experience a </a:t>
-            </a:r>
-            <a:r>
-              <a:rPr b="1"/>
-              <a:t>high-quality, value-added service that leads to an appropriate outcome for their case</a:t>
-            </a:r>
-            <a:r>
-              <a:t>. </a:t>
-            </a:r>
-            <a:endParaRPr>
-              <a:latin typeface="Times Roman"/>
-              <a:ea typeface="Times Roman"/>
-              <a:cs typeface="Times Roman"/>
-              <a:sym typeface="Times Roman"/>
-            </a:endParaRPr>
-          </a:p>
-          <a:p>
-            <a:pPr defTabSz="457200">
+          <a:lstStyle>
+            <a:lvl1pPr defTabSz="457200">
               <a:lnSpc>
                 <a:spcPts val="11900"/>
               </a:lnSpc>
@@ -5509,50 +5464,12 @@
                 <a:cs typeface="Calibri"/>
                 <a:sym typeface="Calibri"/>
               </a:defRPr>
-            </a:pPr>
-            <a:r>
-              <a:t> </a:t>
-            </a:r>
-            <a:endParaRPr>
-              <a:latin typeface="Times Roman"/>
-              <a:ea typeface="Times Roman"/>
-              <a:cs typeface="Times Roman"/>
-              <a:sym typeface="Times Roman"/>
-            </a:endParaRPr>
-          </a:p>
-          <a:p>
-            <a:pPr defTabSz="457200">
-              <a:lnSpc>
-                <a:spcPts val="11500"/>
-              </a:lnSpc>
-              <a:defRPr b="0" spc="0" sz="8000">
-                <a:latin typeface="Arial"/>
-                <a:ea typeface="Arial"/>
-                <a:cs typeface="Arial"/>
-                <a:sym typeface="Arial"/>
-              </a:defRPr>
-            </a:pPr>
-            <a:endParaRPr b="1">
-              <a:latin typeface="Times Roman"/>
-              <a:ea typeface="Times Roman"/>
-              <a:cs typeface="Times Roman"/>
-              <a:sym typeface="Times Roman"/>
-            </a:endParaRPr>
-          </a:p>
-          <a:p>
-            <a:pPr defTabSz="457200">
-              <a:lnSpc>
-                <a:spcPts val="11500"/>
-              </a:lnSpc>
-              <a:defRPr b="0" spc="0" sz="8000">
-                <a:latin typeface="Arial"/>
-                <a:ea typeface="Arial"/>
-                <a:cs typeface="Arial"/>
-                <a:sym typeface="Arial"/>
-              </a:defRPr>
-            </a:pPr>
-            <a:r>
-              <a:t> </a:t>
+            </a:lvl1pPr>
+          </a:lstStyle>
+          <a:p>
+            <a:pPr/>
+            <a:r>
+              <a:t>Learn from the research and experience of other service teams and avoid repeating work that’s already been done. </a:t>
             </a:r>
             <a:endParaRPr>
               <a:latin typeface="Times Roman"/>
@@ -5591,7 +5508,7 @@
       </p:grpSpPr>
       <p:sp>
         <p:nvSpPr>
-          <p:cNvPr id="157" name="What will we explore in Alpha"/>
+          <p:cNvPr id="157" name="Help users get a better user experience by using tired and tested GDS patterns"/>
           <p:cNvSpPr txBox="1"/>
           <p:nvPr>
             <p:ph type="body" idx="21"/>
@@ -5617,14 +5534,14 @@
           <a:p>
             <a:pPr/>
             <a:r>
-              <a:t>What will we explore in Alpha</a:t>
+              <a:t>Help users get a better user experience by using tired and tested GDS patterns</a:t>
             </a:r>
           </a:p>
         </p:txBody>
       </p:sp>
       <p:sp>
         <p:nvSpPr>
-          <p:cNvPr id="158" name="The alpha will explore targeted micro-guidance and other notification form interventions that will help users notify successfully, reduce invalid or out of time cases and improve the quality of the information provided to conciliators to help them resolv"/>
+          <p:cNvPr id="158" name="Learn from the research and experience of other service teams and avoid repeating work that’s already been done."/>
           <p:cNvSpPr txBox="1"/>
           <p:nvPr>
             <p:ph type="ctrTitle"/>
@@ -5633,7 +5550,7 @@
         <p:spPr>
           <a:xfrm>
             <a:off x="1253906" y="3534795"/>
-            <a:ext cx="22160062" cy="9229141"/>
+            <a:ext cx="22160062" cy="7132673"/>
           </a:xfrm>
           <a:prstGeom prst="rect">
             <a:avLst/>
@@ -5643,9 +5560,8 @@
           <a:bodyPr>
             <a:noAutofit/>
           </a:bodyPr>
-          <a:lstStyle/>
-          <a:p>
-            <a:pPr defTabSz="457200">
+          <a:lstStyle>
+            <a:lvl1pPr defTabSz="457200">
               <a:lnSpc>
                 <a:spcPts val="11900"/>
               </a:lnSpc>
@@ -5655,35 +5571,12 @@
                 <a:cs typeface="Calibri"/>
                 <a:sym typeface="Calibri"/>
               </a:defRPr>
-            </a:pPr>
-            <a:r>
-              <a:t>The alpha will explore targeted micro-guidance and other notification form interventions that will help users notify successfully, </a:t>
-            </a:r>
-            <a:r>
-              <a:rPr b="1"/>
-              <a:t>reduce invalid or out of time cases and improve the quality of the information provided to conciliators to help them resolve cases faster and more often. </a:t>
-            </a:r>
-            <a:endParaRPr b="1">
-              <a:latin typeface="Times Roman"/>
-              <a:ea typeface="Times Roman"/>
-              <a:cs typeface="Times Roman"/>
-              <a:sym typeface="Times Roman"/>
-            </a:endParaRPr>
-          </a:p>
-          <a:p>
-            <a:pPr defTabSz="457200">
-              <a:lnSpc>
-                <a:spcPts val="11500"/>
-              </a:lnSpc>
-              <a:defRPr b="0" spc="0" sz="8000">
-                <a:latin typeface="Arial"/>
-                <a:ea typeface="Arial"/>
-                <a:cs typeface="Arial"/>
-                <a:sym typeface="Arial"/>
-              </a:defRPr>
-            </a:pPr>
-            <a:r>
-              <a:t> </a:t>
+            </a:lvl1pPr>
+          </a:lstStyle>
+          <a:p>
+            <a:pPr/>
+            <a:r>
+              <a:t>Learn from the research and experience of other service teams and avoid repeating work that’s already been done. </a:t>
             </a:r>
             <a:endParaRPr>
               <a:latin typeface="Times Roman"/>
@@ -5722,7 +5615,7 @@
       </p:grpSpPr>
       <p:pic>
         <p:nvPicPr>
-          <p:cNvPr id="160" name="Screenshot 2021-11-22 at 15.09.45.png" descr="Screenshot 2021-11-22 at 15.09.45.png"/>
+          <p:cNvPr id="160" name="GDS-report-2.png" descr="GDS-report-2.png"/>
           <p:cNvPicPr>
             <a:picLocks noChangeAspect="1"/>
           </p:cNvPicPr>
@@ -5738,8 +5631,8 @@
         </p:blipFill>
         <p:spPr>
           <a:xfrm>
-            <a:off x="7108827" y="419288"/>
-            <a:ext cx="10166346" cy="11522704"/>
+            <a:off x="1913342" y="2051050"/>
+            <a:ext cx="8928101" cy="9613900"/>
           </a:xfrm>
           <a:prstGeom prst="rect">
             <a:avLst/>
@@ -5749,16 +5642,26 @@
           </a:ln>
         </p:spPr>
       </p:pic>
-      <p:sp>
-        <p:nvSpPr>
-          <p:cNvPr id="161" name="https://miro.com/app/board/o9J_lmKcXHc=/?invite_link_id=919763344598"/>
-          <p:cNvSpPr txBox="1"/>
+      <p:pic>
+        <p:nvPicPr>
+          <p:cNvPr id="161" name="GDS-beta-report.png" descr="GDS-beta-report.png"/>
+          <p:cNvPicPr>
+            <a:picLocks noChangeAspect="1"/>
+          </p:cNvPicPr>
           <p:nvPr/>
-        </p:nvSpPr>
+        </p:nvPicPr>
+        <p:blipFill>
+          <a:blip r:embed="rId3">
+            <a:extLst/>
+          </a:blip>
+          <a:stretch>
+            <a:fillRect/>
+          </a:stretch>
+        </p:blipFill>
         <p:spPr>
           <a:xfrm>
-            <a:off x="7028230" y="12580741"/>
-            <a:ext cx="10327540" cy="461366"/>
+            <a:off x="15321219" y="547774"/>
+            <a:ext cx="5612964" cy="12620452"/>
           </a:xfrm>
           <a:prstGeom prst="rect">
             <a:avLst/>
@@ -5766,25 +5669,8 @@
           <a:ln w="12700">
             <a:miter lim="400000"/>
           </a:ln>
-          <a:extLst>
-            <a:ext uri="{C572A759-6A51-4108-AA02-DFA0A04FC94B}">
-              <ma14:wrappingTextBoxFlag xmlns:ma14="http://schemas.microsoft.com/office/mac/drawingml/2011/main" val="1"/>
-            </a:ext>
-          </a:extLst>
-        </p:spPr>
-        <p:txBody>
-          <a:bodyPr wrap="none" lIns="50800" tIns="50800" rIns="50800" bIns="50800" anchor="ctr">
-            <a:spAutoFit/>
-          </a:bodyPr>
-          <a:lstStyle/>
-          <a:p>
-            <a:pPr/>
-            <a:r>
-              <a:t>https://miro.com/app/board/o9J_lmKcXHc=/?invite_link_id=919763344598</a:t>
-            </a:r>
-          </a:p>
-        </p:txBody>
-      </p:sp>
+        </p:spPr>
+      </p:pic>
     </p:spTree>
   </p:cSld>
   <p:clrMapOvr>
@@ -5813,7 +5699,7 @@
       </p:grpSpPr>
       <p:sp>
         <p:nvSpPr>
-          <p:cNvPr id="163" name="Help users get a better user experience by using tired and tested GDS patterns"/>
+          <p:cNvPr id="163" name="Help users to check answers with better check my answers page"/>
           <p:cNvSpPr txBox="1"/>
           <p:nvPr>
             <p:ph type="body" idx="21"/>
@@ -5839,14 +5725,14 @@
           <a:p>
             <a:pPr/>
             <a:r>
-              <a:t>Help users get a better user experience by using tired and tested GDS patterns</a:t>
+              <a:t>Help users to check answers with better check my answers page</a:t>
             </a:r>
           </a:p>
         </p:txBody>
       </p:sp>
       <p:sp>
         <p:nvSpPr>
-          <p:cNvPr id="164" name="Learn from the research and experience of other service teams and avoid repeating work that’s already been done."/>
+          <p:cNvPr id="164" name="GDS pattern lets users review and undo mistakes more efficiently. Better presentation and usability as users can make a change to answer without have to having go back through all the pages in the form."/>
           <p:cNvSpPr txBox="1"/>
           <p:nvPr>
             <p:ph type="ctrTitle"/>
@@ -5881,14 +5767,8 @@
           <a:p>
             <a:pPr/>
             <a:r>
-              <a:t>Learn from the research and experience of other service teams and avoid repeating work that’s already been done. </a:t>
-            </a:r>
-            <a:endParaRPr>
-              <a:latin typeface="Times Roman"/>
-              <a:ea typeface="Times Roman"/>
-              <a:cs typeface="Times Roman"/>
-              <a:sym typeface="Times Roman"/>
-            </a:endParaRPr>
+              <a:t>GDS pattern lets users review and undo mistakes more efficiently. Better presentation and usability as users can make a change to answer without have to having go back through all the pages in the form.  </a:t>
+            </a:r>
           </a:p>
         </p:txBody>
       </p:sp>
@@ -5920,7 +5800,7 @@
       </p:grpSpPr>
       <p:pic>
         <p:nvPicPr>
-          <p:cNvPr id="166" name="GDS-report-2.png" descr="GDS-report-2.png"/>
+          <p:cNvPr id="166" name="Screenshot 2021-11-22 at 14.27.33.png" descr="Screenshot 2021-11-22 at 14.27.33.png"/>
           <p:cNvPicPr>
             <a:picLocks noChangeAspect="1"/>
           </p:cNvPicPr>
@@ -5936,37 +5816,8 @@
         </p:blipFill>
         <p:spPr>
           <a:xfrm>
-            <a:off x="1913342" y="2051049"/>
-            <a:ext cx="8928101" cy="9613901"/>
-          </a:xfrm>
-          <a:prstGeom prst="rect">
-            <a:avLst/>
-          </a:prstGeom>
-          <a:ln w="12700">
-            <a:miter lim="400000"/>
-          </a:ln>
-        </p:spPr>
-      </p:pic>
-      <p:pic>
-        <p:nvPicPr>
-          <p:cNvPr id="167" name="GDS-beta-report.png" descr="GDS-beta-report.png"/>
-          <p:cNvPicPr>
-            <a:picLocks noChangeAspect="1"/>
-          </p:cNvPicPr>
-          <p:nvPr/>
-        </p:nvPicPr>
-        <p:blipFill>
-          <a:blip r:embed="rId3">
-            <a:extLst/>
-          </a:blip>
-          <a:stretch>
-            <a:fillRect/>
-          </a:stretch>
-        </p:blipFill>
-        <p:spPr>
-          <a:xfrm>
-            <a:off x="15321220" y="547774"/>
-            <a:ext cx="5612963" cy="12620452"/>
+            <a:off x="9578222" y="1413788"/>
+            <a:ext cx="7084845" cy="11306760"/>
           </a:xfrm>
           <a:prstGeom prst="rect">
             <a:avLst/>
@@ -6004,7 +5855,7 @@
       </p:grpSpPr>
       <p:sp>
         <p:nvSpPr>
-          <p:cNvPr id="169" name="Help users to check if this service is suitable"/>
+          <p:cNvPr id="168" name="Help users to understand all the tasks they need to complete by using GDS task list pattern"/>
           <p:cNvSpPr txBox="1"/>
           <p:nvPr>
             <p:ph type="body" idx="21"/>
@@ -6030,14 +5881,14 @@
           <a:p>
             <a:pPr/>
             <a:r>
-              <a:t>Help users to check if this service is suitable</a:t>
+              <a:t>Help users to understand all the tasks they need to complete by using GDS task list pattern</a:t>
             </a:r>
           </a:p>
         </p:txBody>
       </p:sp>
       <p:sp>
         <p:nvSpPr>
-          <p:cNvPr id="170" name="Interactive from, which uses decision tree, to channel users to right direction, by checking if they’re eligible to use your service resulting in reduced invalid or out of time cases."/>
+          <p:cNvPr id="169" name="By using the GDS task list pattern we will using tried and pattern, which tells users which section in the form is completed, which is under progress and which section still needs to completed."/>
           <p:cNvSpPr txBox="1"/>
           <p:nvPr>
             <p:ph type="ctrTitle"/>
@@ -6046,7 +5897,7 @@
         <p:spPr>
           <a:xfrm>
             <a:off x="1253906" y="3534795"/>
-            <a:ext cx="22160062" cy="9229141"/>
+            <a:ext cx="22160062" cy="7132673"/>
           </a:xfrm>
           <a:prstGeom prst="rect">
             <a:avLst/>
@@ -6070,40 +5921,40 @@
               </a:defRPr>
             </a:pPr>
             <a:r>
-              <a:t>Interactive from, which uses decision tree, to channel users to right direction, by checking if they’re eligible to use your service resulting in </a:t>
-            </a:r>
-            <a:r>
-              <a:rPr b="1"/>
-              <a:t>reduced invalid or out of time cases. </a:t>
-            </a:r>
-            <a:endParaRPr b="1">
-              <a:latin typeface="Times Roman"/>
-              <a:ea typeface="Times Roman"/>
-              <a:cs typeface="Times Roman"/>
-              <a:sym typeface="Times Roman"/>
-            </a:endParaRPr>
+              <a:t>By using the GDS task list pattern we will using tried and pattern, which tells users which section in the form is completed, which is under progress and which section still needs to completed. </a:t>
+            </a:r>
           </a:p>
           <a:p>
             <a:pPr defTabSz="457200">
               <a:lnSpc>
-                <a:spcPts val="11500"/>
+                <a:spcPts val="11900"/>
               </a:lnSpc>
               <a:defRPr b="0" spc="0" sz="8000">
-                <a:latin typeface="Arial"/>
-                <a:ea typeface="Arial"/>
-                <a:cs typeface="Arial"/>
-                <a:sym typeface="Arial"/>
+                <a:latin typeface="Calibri"/>
+                <a:ea typeface="Calibri"/>
+                <a:cs typeface="Calibri"/>
+                <a:sym typeface="Calibri"/>
               </a:defRPr>
             </a:pPr>
             <a:r>
-              <a:t> </a:t>
-            </a:r>
-            <a:endParaRPr>
-              <a:latin typeface="Times Roman"/>
-              <a:ea typeface="Times Roman"/>
-              <a:cs typeface="Times Roman"/>
-              <a:sym typeface="Times Roman"/>
-            </a:endParaRPr>
+              <a:t> </a:t>
+            </a:r>
+          </a:p>
+          <a:p>
+            <a:pPr defTabSz="457200">
+              <a:lnSpc>
+                <a:spcPts val="11900"/>
+              </a:lnSpc>
+              <a:defRPr b="0" spc="0" sz="8000">
+                <a:latin typeface="Calibri"/>
+                <a:ea typeface="Calibri"/>
+                <a:cs typeface="Calibri"/>
+                <a:sym typeface="Calibri"/>
+              </a:defRPr>
+            </a:pPr>
+            <a:r>
+              <a:t>  </a:t>
+            </a:r>
           </a:p>
         </p:txBody>
       </p:sp>
@@ -6135,7 +5986,7 @@
       </p:grpSpPr>
       <p:pic>
         <p:nvPicPr>
-          <p:cNvPr id="172" name="Screenshot 2021-11-22 at 12.32.43.png" descr="Screenshot 2021-11-22 at 12.32.43.png"/>
+          <p:cNvPr id="171" name="Screenshot 2021-11-22 at 14.35.19.png" descr="Screenshot 2021-11-22 at 14.35.19.png"/>
           <p:cNvPicPr>
             <a:picLocks noChangeAspect="1"/>
           </p:cNvPicPr>
@@ -6151,8 +6002,8 @@
         </p:blipFill>
         <p:spPr>
           <a:xfrm>
-            <a:off x="1519013" y="2397372"/>
-            <a:ext cx="21646032" cy="8206669"/>
+            <a:off x="7227517" y="1448510"/>
+            <a:ext cx="12009042" cy="11376986"/>
           </a:xfrm>
           <a:prstGeom prst="rect">
             <a:avLst/>
@@ -6190,21 +6041,20 @@
       </p:grpSpPr>
       <p:sp>
         <p:nvSpPr>
-          <p:cNvPr id="174" name="“We need to filter out frivolous vexatious or unreasonable claims at the outset.”…"/>
+          <p:cNvPr id="173" name="Help users to correct mistakes by using GDS patterns for error handling"/>
           <p:cNvSpPr txBox="1"/>
-          <p:nvPr/>
+          <p:nvPr>
+            <p:ph type="body" idx="21"/>
+          </p:nvPr>
         </p:nvSpPr>
         <p:spPr>
           <a:xfrm>
-            <a:off x="1235054" y="3726179"/>
-            <a:ext cx="22149590" cy="6263642"/>
+            <a:off x="1206499" y="894863"/>
+            <a:ext cx="21971002" cy="636979"/>
           </a:xfrm>
           <a:prstGeom prst="rect">
             <a:avLst/>
           </a:prstGeom>
-          <a:ln w="12700">
-            <a:miter lim="400000"/>
-          </a:ln>
           <a:extLst>
             <a:ext uri="{C572A759-6A51-4108-AA02-DFA0A04FC94B}">
               <ma14:wrappingTextBoxFlag xmlns:ma14="http://schemas.microsoft.com/office/mac/drawingml/2011/main" val="1"/>
@@ -6212,24 +6062,84 @@
           </a:extLst>
         </p:spPr>
         <p:txBody>
-          <a:bodyPr lIns="50800" tIns="50800" rIns="50800" bIns="50800" anchor="ctr">
-            <a:spAutoFit/>
+          <a:bodyPr/>
+          <a:lstStyle/>
+          <a:p>
+            <a:pPr/>
+            <a:r>
+              <a:t>Help users to correct mistakes by using GDS patterns for error handling </a:t>
+            </a:r>
+          </a:p>
+        </p:txBody>
+      </p:sp>
+      <p:sp>
+        <p:nvSpPr>
+          <p:cNvPr id="174" name="By using GDS patterns for error handling.e will using tried and pattern, which tells users which section in the form is completed, which is under progress and which section still needs to completed."/>
+          <p:cNvSpPr txBox="1"/>
+          <p:nvPr>
+            <p:ph type="ctrTitle"/>
+          </p:nvPr>
+        </p:nvSpPr>
+        <p:spPr>
+          <a:xfrm>
+            <a:off x="1253906" y="3534795"/>
+            <a:ext cx="22160062" cy="7132673"/>
+          </a:xfrm>
+          <a:prstGeom prst="rect">
+            <a:avLst/>
+          </a:prstGeom>
+        </p:spPr>
+        <p:txBody>
+          <a:bodyPr>
+            <a:noAutofit/>
           </a:bodyPr>
           <a:lstStyle/>
           <a:p>
-            <a:pPr>
-              <a:defRPr b="1" sz="10000"/>
+            <a:pPr defTabSz="457200">
+              <a:lnSpc>
+                <a:spcPts val="11900"/>
+              </a:lnSpc>
+              <a:defRPr b="0" spc="0" sz="8000">
+                <a:latin typeface="Calibri"/>
+                <a:ea typeface="Calibri"/>
+                <a:cs typeface="Calibri"/>
+                <a:sym typeface="Calibri"/>
+              </a:defRPr>
             </a:pPr>
             <a:r>
-              <a:t>“We need to filter out frivolous vexatious or unreasonable claims at the outset.”</a:t>
-            </a:r>
-          </a:p>
-          <a:p>
-            <a:pPr>
-              <a:defRPr sz="10000"/>
+              <a:t>By using GDS patterns for error handling.e will using tried and pattern, which tells users which section in the form is completed, which is under progress and which section still needs to completed. </a:t>
+            </a:r>
+          </a:p>
+          <a:p>
+            <a:pPr defTabSz="457200">
+              <a:lnSpc>
+                <a:spcPts val="11900"/>
+              </a:lnSpc>
+              <a:defRPr b="0" spc="0" sz="8000">
+                <a:latin typeface="Calibri"/>
+                <a:ea typeface="Calibri"/>
+                <a:cs typeface="Calibri"/>
+                <a:sym typeface="Calibri"/>
+              </a:defRPr>
             </a:pPr>
             <a:r>
-              <a:t>Source internal survey S4</a:t>
+              <a:t> </a:t>
+            </a:r>
+          </a:p>
+          <a:p>
+            <a:pPr defTabSz="457200">
+              <a:lnSpc>
+                <a:spcPts val="11900"/>
+              </a:lnSpc>
+              <a:defRPr b="0" spc="0" sz="8000">
+                <a:latin typeface="Calibri"/>
+                <a:ea typeface="Calibri"/>
+                <a:cs typeface="Calibri"/>
+                <a:sym typeface="Calibri"/>
+              </a:defRPr>
+            </a:pPr>
+            <a:r>
+              <a:t>  </a:t>
             </a:r>
           </a:p>
         </p:txBody>
